--- a/presentazione_pechakucha.pptx
+++ b/presentazione_pechakucha.pptx
@@ -21,10 +21,9 @@
     <p:sldId id="293" r:id="rId15"/>
     <p:sldId id="294" r:id="rId16"/>
     <p:sldId id="295" r:id="rId17"/>
-    <p:sldId id="296" r:id="rId18"/>
-    <p:sldId id="297" r:id="rId19"/>
-    <p:sldId id="298" r:id="rId20"/>
-    <p:sldId id="299" r:id="rId21"/>
+    <p:sldId id="297" r:id="rId18"/>
+    <p:sldId id="298" r:id="rId19"/>
+    <p:sldId id="299" r:id="rId20"/>
   </p:sldIdLst>
   <p:sldSz cx="9144000" cy="6858000" type="screen4x3"/>
   <p:notesSz cx="6858000" cy="9144000"/>
@@ -22768,7 +22767,7 @@
           <a:p>
             <a:fld id="{5BCAD085-E8A6-8845-BD4E-CB4CCA059FC4}" type="datetimeFigureOut">
               <a:rPr lang="en-US" smtClean="0"/>
-              <a:t>7/9/2025</a:t>
+              <a:t>7/17/2025</a:t>
             </a:fld>
             <a:endParaRPr lang="en-US"/>
           </a:p>
@@ -22936,7 +22935,7 @@
           <a:p>
             <a:fld id="{5BCAD085-E8A6-8845-BD4E-CB4CCA059FC4}" type="datetimeFigureOut">
               <a:rPr lang="en-US" smtClean="0"/>
-              <a:t>7/9/2025</a:t>
+              <a:t>7/17/2025</a:t>
             </a:fld>
             <a:endParaRPr lang="en-US"/>
           </a:p>
@@ -23114,7 +23113,7 @@
           <a:p>
             <a:fld id="{5BCAD085-E8A6-8845-BD4E-CB4CCA059FC4}" type="datetimeFigureOut">
               <a:rPr lang="en-US" smtClean="0"/>
-              <a:t>7/9/2025</a:t>
+              <a:t>7/17/2025</a:t>
             </a:fld>
             <a:endParaRPr lang="en-US"/>
           </a:p>
@@ -23282,7 +23281,7 @@
           <a:p>
             <a:fld id="{5BCAD085-E8A6-8845-BD4E-CB4CCA059FC4}" type="datetimeFigureOut">
               <a:rPr lang="en-US" smtClean="0"/>
-              <a:t>7/9/2025</a:t>
+              <a:t>7/17/2025</a:t>
             </a:fld>
             <a:endParaRPr lang="en-US"/>
           </a:p>
@@ -23527,7 +23526,7 @@
           <a:p>
             <a:fld id="{5BCAD085-E8A6-8845-BD4E-CB4CCA059FC4}" type="datetimeFigureOut">
               <a:rPr lang="en-US" smtClean="0"/>
-              <a:t>7/9/2025</a:t>
+              <a:t>7/17/2025</a:t>
             </a:fld>
             <a:endParaRPr lang="en-US"/>
           </a:p>
@@ -23812,7 +23811,7 @@
           <a:p>
             <a:fld id="{5BCAD085-E8A6-8845-BD4E-CB4CCA059FC4}" type="datetimeFigureOut">
               <a:rPr lang="en-US" smtClean="0"/>
-              <a:t>7/9/2025</a:t>
+              <a:t>7/17/2025</a:t>
             </a:fld>
             <a:endParaRPr lang="en-US"/>
           </a:p>
@@ -24231,7 +24230,7 @@
           <a:p>
             <a:fld id="{5BCAD085-E8A6-8845-BD4E-CB4CCA059FC4}" type="datetimeFigureOut">
               <a:rPr lang="en-US" smtClean="0"/>
-              <a:t>7/9/2025</a:t>
+              <a:t>7/17/2025</a:t>
             </a:fld>
             <a:endParaRPr lang="en-US"/>
           </a:p>
@@ -24348,7 +24347,7 @@
           <a:p>
             <a:fld id="{5BCAD085-E8A6-8845-BD4E-CB4CCA059FC4}" type="datetimeFigureOut">
               <a:rPr lang="en-US" smtClean="0"/>
-              <a:t>7/9/2025</a:t>
+              <a:t>7/17/2025</a:t>
             </a:fld>
             <a:endParaRPr lang="en-US"/>
           </a:p>
@@ -24443,7 +24442,7 @@
           <a:p>
             <a:fld id="{5BCAD085-E8A6-8845-BD4E-CB4CCA059FC4}" type="datetimeFigureOut">
               <a:rPr lang="en-US" smtClean="0"/>
-              <a:t>7/9/2025</a:t>
+              <a:t>7/17/2025</a:t>
             </a:fld>
             <a:endParaRPr lang="en-US"/>
           </a:p>
@@ -24718,7 +24717,7 @@
           <a:p>
             <a:fld id="{5BCAD085-E8A6-8845-BD4E-CB4CCA059FC4}" type="datetimeFigureOut">
               <a:rPr lang="en-US" smtClean="0"/>
-              <a:t>7/9/2025</a:t>
+              <a:t>7/17/2025</a:t>
             </a:fld>
             <a:endParaRPr lang="en-US"/>
           </a:p>
@@ -24970,7 +24969,7 @@
           <a:p>
             <a:fld id="{5BCAD085-E8A6-8845-BD4E-CB4CCA059FC4}" type="datetimeFigureOut">
               <a:rPr lang="en-US" smtClean="0"/>
-              <a:t>7/9/2025</a:t>
+              <a:t>7/17/2025</a:t>
             </a:fld>
             <a:endParaRPr lang="en-US"/>
           </a:p>
@@ -25181,7 +25180,7 @@
           <a:p>
             <a:fld id="{5BCAD085-E8A6-8845-BD4E-CB4CCA059FC4}" type="datetimeFigureOut">
               <a:rPr lang="en-US" smtClean="0"/>
-              <a:t>7/9/2025</a:t>
+              <a:t>7/17/2025</a:t>
             </a:fld>
             <a:endParaRPr lang="en-US"/>
           </a:p>
@@ -30168,441 +30167,6 @@
       </p:grpSpPr>
       <p:sp useBgFill="1">
         <p:nvSpPr>
-          <p:cNvPr id="37" name="Rectangle 36">
-            <a:extLst>
-              <a:ext uri="{FF2B5EF4-FFF2-40B4-BE49-F238E27FC236}">
-                <a16:creationId xmlns:a16="http://schemas.microsoft.com/office/drawing/2014/main" id="{3346177D-ADC4-4968-B747-5CFCD390B5B9}"/>
-              </a:ext>
-              <a:ext uri="{C183D7F6-B498-43B3-948B-1728B52AA6E4}">
-                <adec:decorative xmlns:adec="http://schemas.microsoft.com/office/drawing/2017/decorative" val="1"/>
-              </a:ext>
-            </a:extLst>
-          </p:cNvPr>
-          <p:cNvSpPr>
-            <a:spLocks noGrp="1" noRot="1" noChangeAspect="1" noMove="1" noResize="1" noEditPoints="1" noAdjustHandles="1" noChangeArrowheads="1" noChangeShapeType="1" noTextEdit="1"/>
-          </p:cNvSpPr>
-          <p:nvPr>
-            <p:extLst>
-              <p:ext uri="{386F3935-93C4-4BCD-93E2-E3B085C9AB24}">
-                <p16:designElem xmlns:p16="http://schemas.microsoft.com/office/powerpoint/2015/main" val="1"/>
-              </p:ext>
-            </p:extLst>
-          </p:nvPr>
-        </p:nvSpPr>
-        <p:spPr>
-          <a:xfrm>
-            <a:off x="0" y="0"/>
-            <a:ext cx="9144000" cy="6858000"/>
-          </a:xfrm>
-          <a:prstGeom prst="rect">
-            <a:avLst/>
-          </a:prstGeom>
-          <a:ln w="12700" cap="flat" cmpd="sng" algn="ctr">
-            <a:noFill/>
-            <a:prstDash val="solid"/>
-            <a:miter lim="800000"/>
-          </a:ln>
-          <a:effectLst/>
-          <a:extLst>
-            <a:ext uri="{91240B29-F687-4F45-9708-019B960494DF}">
-              <a14:hiddenLine xmlns:a14="http://schemas.microsoft.com/office/drawing/2010/main" w="12700" cap="flat" cmpd="sng" algn="ctr">
-                <a:solidFill>
-                  <a:schemeClr val="accent1">
-                    <a:shade val="50000"/>
-                  </a:schemeClr>
-                </a:solidFill>
-                <a:prstDash val="solid"/>
-                <a:miter lim="800000"/>
-              </a14:hiddenLine>
-            </a:ext>
-          </a:extLst>
-        </p:spPr>
-        <p:style>
-          <a:lnRef idx="2">
-            <a:schemeClr val="accent1">
-              <a:shade val="50000"/>
-            </a:schemeClr>
-          </a:lnRef>
-          <a:fillRef idx="1">
-            <a:schemeClr val="accent1"/>
-          </a:fillRef>
-          <a:effectRef idx="0">
-            <a:schemeClr val="accent1"/>
-          </a:effectRef>
-          <a:fontRef idx="minor">
-            <a:schemeClr val="lt1"/>
-          </a:fontRef>
-        </p:style>
-        <p:txBody>
-          <a:bodyPr rtlCol="0" anchor="ctr"/>
-          <a:lstStyle/>
-          <a:p>
-            <a:pPr algn="ctr"/>
-            <a:endParaRPr lang="en-US"/>
-          </a:p>
-        </p:txBody>
-      </p:sp>
-      <p:pic>
-        <p:nvPicPr>
-          <p:cNvPr id="7" name="Graphic 6" descr="Presentation with Pie Chart">
-            <a:extLst>
-              <a:ext uri="{FF2B5EF4-FFF2-40B4-BE49-F238E27FC236}">
-                <a16:creationId xmlns:a16="http://schemas.microsoft.com/office/drawing/2014/main" id="{4D0F51AE-38D8-1F17-9C59-CB657A5CC812}"/>
-              </a:ext>
-            </a:extLst>
-          </p:cNvPr>
-          <p:cNvPicPr>
-            <a:picLocks noChangeAspect="1"/>
-          </p:cNvPicPr>
-          <p:nvPr/>
-        </p:nvPicPr>
-        <p:blipFill>
-          <a:blip r:embed="rId2">
-            <a:extLst>
-              <a:ext uri="{28A0092B-C50C-407E-A947-70E740481C1C}">
-                <a14:useLocalDpi xmlns:a14="http://schemas.microsoft.com/office/drawing/2010/main" val="0"/>
-              </a:ext>
-              <a:ext uri="{96DAC541-7B7A-43D3-8B79-37D633B846F1}">
-                <asvg:svgBlip xmlns:asvg="http://schemas.microsoft.com/office/drawing/2016/SVG/main" r:embed="rId3"/>
-              </a:ext>
-            </a:extLst>
-          </a:blip>
-          <a:stretch>
-            <a:fillRect/>
-          </a:stretch>
-        </p:blipFill>
-        <p:spPr>
-          <a:xfrm>
-            <a:off x="801097" y="1759590"/>
-            <a:ext cx="2907124" cy="2907124"/>
-          </a:xfrm>
-          <a:prstGeom prst="rect">
-            <a:avLst/>
-          </a:prstGeom>
-        </p:spPr>
-      </p:pic>
-      <p:sp>
-        <p:nvSpPr>
-          <p:cNvPr id="18" name="CasellaDiTesto 17">
-            <a:extLst>
-              <a:ext uri="{FF2B5EF4-FFF2-40B4-BE49-F238E27FC236}">
-                <a16:creationId xmlns:a16="http://schemas.microsoft.com/office/drawing/2014/main" id="{931BA014-2579-70E9-BF4B-EEE6AE384CD6}"/>
-              </a:ext>
-            </a:extLst>
-          </p:cNvPr>
-          <p:cNvSpPr txBox="1"/>
-          <p:nvPr/>
-        </p:nvSpPr>
-        <p:spPr>
-          <a:xfrm>
-            <a:off x="4197376" y="2405894"/>
-            <a:ext cx="4316172" cy="3197464"/>
-          </a:xfrm>
-          <a:prstGeom prst="rect">
-            <a:avLst/>
-          </a:prstGeom>
-        </p:spPr>
-        <p:txBody>
-          <a:bodyPr vert="horz" lIns="91440" tIns="45720" rIns="91440" bIns="45720" rtlCol="0" anchor="t">
-            <a:normAutofit/>
-          </a:bodyPr>
-          <a:lstStyle/>
-          <a:p>
-            <a:pPr indent="-228600" defTabSz="914400">
-              <a:lnSpc>
-                <a:spcPct val="90000"/>
-              </a:lnSpc>
-              <a:spcAft>
-                <a:spcPts val="1000"/>
-              </a:spcAft>
-              <a:buFont typeface="Arial" panose="020B0604020202020204" pitchFamily="34" charset="0"/>
-              <a:buChar char="•"/>
-            </a:pPr>
-            <a:r>
-              <a:rPr lang="en-US" sz="1700" dirty="0" err="1">
-                <a:effectLst/>
-              </a:rPr>
-              <a:t>Visualizzazione</a:t>
-            </a:r>
-            <a:r>
-              <a:rPr lang="en-US" sz="1700" dirty="0">
-                <a:effectLst/>
-              </a:rPr>
-              <a:t> </a:t>
-            </a:r>
-            <a:r>
-              <a:rPr lang="en-US" sz="1700" dirty="0" err="1">
-                <a:effectLst/>
-              </a:rPr>
-              <a:t>Risultati</a:t>
-            </a:r>
-            <a:r>
-              <a:rPr lang="en-US" sz="1700" dirty="0">
-                <a:effectLst/>
-              </a:rPr>
-              <a:t>:</a:t>
-            </a:r>
-          </a:p>
-          <a:p>
-            <a:pPr indent="-228600" defTabSz="914400">
-              <a:lnSpc>
-                <a:spcPct val="90000"/>
-              </a:lnSpc>
-              <a:spcAft>
-                <a:spcPts val="1000"/>
-              </a:spcAft>
-              <a:buFont typeface="Arial" panose="020B0604020202020204" pitchFamily="34" charset="0"/>
-              <a:buChar char="•"/>
-            </a:pPr>
-            <a:r>
-              <a:rPr lang="en-US" sz="1700" dirty="0" err="1">
-                <a:effectLst/>
-              </a:rPr>
-              <a:t>Funzione</a:t>
-            </a:r>
-            <a:r>
-              <a:rPr lang="en-US" sz="1700" dirty="0">
-                <a:effectLst/>
-              </a:rPr>
-              <a:t> matplotlib con </a:t>
-            </a:r>
-            <a:r>
-              <a:rPr lang="en-US" sz="1700" dirty="0" err="1">
-                <a:effectLst/>
-              </a:rPr>
-              <a:t>grafico</a:t>
-            </a:r>
-            <a:r>
-              <a:rPr lang="en-US" sz="1700" dirty="0">
-                <a:effectLst/>
-              </a:rPr>
-              <a:t> loss/</a:t>
-            </a:r>
-            <a:r>
-              <a:rPr lang="en-US" sz="1700" dirty="0" err="1">
-                <a:effectLst/>
-              </a:rPr>
-              <a:t>confidenza</a:t>
-            </a:r>
-            <a:r>
-              <a:rPr lang="en-US" sz="1700" dirty="0">
-                <a:effectLst/>
-              </a:rPr>
-              <a:t> + </a:t>
-            </a:r>
-            <a:r>
-              <a:rPr lang="en-US" sz="1700" dirty="0" err="1">
-                <a:effectLst/>
-              </a:rPr>
-              <a:t>immagini</a:t>
-            </a:r>
-            <a:r>
-              <a:rPr lang="en-US" sz="1700" dirty="0">
-                <a:effectLst/>
-              </a:rPr>
-              <a:t> </a:t>
-            </a:r>
-            <a:r>
-              <a:rPr lang="en-US" sz="1700" dirty="0" err="1">
-                <a:effectLst/>
-              </a:rPr>
-              <a:t>predette</a:t>
-            </a:r>
-            <a:r>
-              <a:rPr lang="en-US" sz="1700" dirty="0">
-                <a:effectLst/>
-              </a:rPr>
-              <a:t>.</a:t>
-            </a:r>
-          </a:p>
-        </p:txBody>
-      </p:sp>
-      <p:sp>
-        <p:nvSpPr>
-          <p:cNvPr id="39" name="Rectangle 38">
-            <a:extLst>
-              <a:ext uri="{FF2B5EF4-FFF2-40B4-BE49-F238E27FC236}">
-                <a16:creationId xmlns:a16="http://schemas.microsoft.com/office/drawing/2014/main" id="{0844A943-BF79-4FEA-ABB1-3BD54D236606}"/>
-              </a:ext>
-              <a:ext uri="{C183D7F6-B498-43B3-948B-1728B52AA6E4}">
-                <adec:decorative xmlns:adec="http://schemas.microsoft.com/office/drawing/2017/decorative" val="1"/>
-              </a:ext>
-            </a:extLst>
-          </p:cNvPr>
-          <p:cNvSpPr>
-            <a:spLocks noGrp="1" noRot="1" noChangeAspect="1" noMove="1" noResize="1" noEditPoints="1" noAdjustHandles="1" noChangeArrowheads="1" noChangeShapeType="1" noTextEdit="1"/>
-          </p:cNvSpPr>
-          <p:nvPr>
-            <p:extLst>
-              <p:ext uri="{386F3935-93C4-4BCD-93E2-E3B085C9AB24}">
-                <p16:designElem xmlns:p16="http://schemas.microsoft.com/office/powerpoint/2015/main" val="1"/>
-              </p:ext>
-            </p:extLst>
-          </p:nvPr>
-        </p:nvSpPr>
-        <p:spPr>
-          <a:xfrm rot="10800000" flipH="1">
-            <a:off x="0" y="6400799"/>
-            <a:ext cx="9144000" cy="456773"/>
-          </a:xfrm>
-          <a:prstGeom prst="rect">
-            <a:avLst/>
-          </a:prstGeom>
-          <a:gradFill>
-            <a:gsLst>
-              <a:gs pos="0">
-                <a:schemeClr val="accent1"/>
-              </a:gs>
-              <a:gs pos="90000">
-                <a:srgbClr val="000000"/>
-              </a:gs>
-            </a:gsLst>
-            <a:lin ang="2400000" scaled="0"/>
-          </a:gradFill>
-          <a:ln>
-            <a:noFill/>
-          </a:ln>
-        </p:spPr>
-        <p:style>
-          <a:lnRef idx="2">
-            <a:schemeClr val="accent1">
-              <a:shade val="50000"/>
-            </a:schemeClr>
-          </a:lnRef>
-          <a:fillRef idx="1">
-            <a:schemeClr val="accent1"/>
-          </a:fillRef>
-          <a:effectRef idx="0">
-            <a:schemeClr val="accent1"/>
-          </a:effectRef>
-          <a:fontRef idx="minor">
-            <a:schemeClr val="lt1"/>
-          </a:fontRef>
-        </p:style>
-        <p:txBody>
-          <a:bodyPr rtlCol="0" anchor="ctr"/>
-          <a:lstStyle/>
-          <a:p>
-            <a:pPr algn="ctr"/>
-            <a:endParaRPr lang="en-US"/>
-          </a:p>
-        </p:txBody>
-      </p:sp>
-      <p:sp>
-        <p:nvSpPr>
-          <p:cNvPr id="41" name="Rectangle 40">
-            <a:extLst>
-              <a:ext uri="{FF2B5EF4-FFF2-40B4-BE49-F238E27FC236}">
-                <a16:creationId xmlns:a16="http://schemas.microsoft.com/office/drawing/2014/main" id="{6437CC72-F4A8-4DC3-AFAB-D22C482C8100}"/>
-              </a:ext>
-              <a:ext uri="{C183D7F6-B498-43B3-948B-1728B52AA6E4}">
-                <adec:decorative xmlns:adec="http://schemas.microsoft.com/office/drawing/2017/decorative" val="1"/>
-              </a:ext>
-            </a:extLst>
-          </p:cNvPr>
-          <p:cNvSpPr>
-            <a:spLocks noGrp="1" noRot="1" noChangeAspect="1" noMove="1" noResize="1" noEditPoints="1" noAdjustHandles="1" noChangeArrowheads="1" noChangeShapeType="1" noTextEdit="1"/>
-          </p:cNvSpPr>
-          <p:nvPr>
-            <p:extLst>
-              <p:ext uri="{386F3935-93C4-4BCD-93E2-E3B085C9AB24}">
-                <p16:designElem xmlns:p16="http://schemas.microsoft.com/office/powerpoint/2015/main" val="1"/>
-              </p:ext>
-            </p:extLst>
-          </p:nvPr>
-        </p:nvSpPr>
-        <p:spPr>
-          <a:xfrm flipH="1">
-            <a:off x="3028950" y="6400799"/>
-            <a:ext cx="6115048" cy="456772"/>
-          </a:xfrm>
-          <a:prstGeom prst="rect">
-            <a:avLst/>
-          </a:prstGeom>
-          <a:gradFill>
-            <a:gsLst>
-              <a:gs pos="0">
-                <a:srgbClr val="000000">
-                  <a:alpha val="50000"/>
-                </a:srgbClr>
-              </a:gs>
-              <a:gs pos="100000">
-                <a:schemeClr val="accent1">
-                  <a:lumMod val="75000"/>
-                </a:schemeClr>
-              </a:gs>
-            </a:gsLst>
-            <a:lin ang="13800000" scaled="0"/>
-          </a:gradFill>
-          <a:ln>
-            <a:noFill/>
-          </a:ln>
-        </p:spPr>
-        <p:style>
-          <a:lnRef idx="2">
-            <a:schemeClr val="accent1">
-              <a:shade val="50000"/>
-            </a:schemeClr>
-          </a:lnRef>
-          <a:fillRef idx="1">
-            <a:schemeClr val="accent1"/>
-          </a:fillRef>
-          <a:effectRef idx="0">
-            <a:schemeClr val="accent1"/>
-          </a:effectRef>
-          <a:fontRef idx="minor">
-            <a:schemeClr val="lt1"/>
-          </a:fontRef>
-        </p:style>
-        <p:txBody>
-          <a:bodyPr rtlCol="0" anchor="ctr"/>
-          <a:lstStyle/>
-          <a:p>
-            <a:pPr algn="ctr"/>
-            <a:endParaRPr lang="en-US"/>
-          </a:p>
-        </p:txBody>
-      </p:sp>
-    </p:spTree>
-    <p:extLst>
-      <p:ext uri="{BB962C8B-B14F-4D97-AF65-F5344CB8AC3E}">
-        <p14:creationId xmlns:p14="http://schemas.microsoft.com/office/powerpoint/2010/main" val="2517957369"/>
-      </p:ext>
-    </p:extLst>
-  </p:cSld>
-  <p:clrMapOvr>
-    <a:masterClrMapping/>
-  </p:clrMapOvr>
-</p:sld>
-</file>
-
-<file path=ppt/slides/slide18.xml><?xml version="1.0" encoding="utf-8"?>
-<p:sld xmlns:a="http://schemas.openxmlformats.org/drawingml/2006/main" xmlns:r="http://schemas.openxmlformats.org/officeDocument/2006/relationships" xmlns:p="http://schemas.openxmlformats.org/presentationml/2006/main">
-  <p:cSld>
-    <p:bg>
-      <p:bgPr>
-        <a:solidFill>
-          <a:schemeClr val="bg1"/>
-        </a:solidFill>
-        <a:effectLst/>
-      </p:bgPr>
-    </p:bg>
-    <p:spTree>
-      <p:nvGrpSpPr>
-        <p:cNvPr id="1" name=""/>
-        <p:cNvGrpSpPr/>
-        <p:nvPr/>
-      </p:nvGrpSpPr>
-      <p:grpSpPr>
-        <a:xfrm>
-          <a:off x="0" y="0"/>
-          <a:ext cx="0" cy="0"/>
-          <a:chOff x="0" y="0"/>
-          <a:chExt cx="0" cy="0"/>
-        </a:xfrm>
-      </p:grpSpPr>
-      <p:sp useBgFill="1">
-        <p:nvSpPr>
           <p:cNvPr id="28" name="Rectangle 27">
             <a:extLst>
               <a:ext uri="{FF2B5EF4-FFF2-40B4-BE49-F238E27FC236}">
@@ -30945,7 +30509,7 @@
 </p:sld>
 </file>
 
-<file path=ppt/slides/slide19.xml><?xml version="1.0" encoding="utf-8"?>
+<file path=ppt/slides/slide18.xml><?xml version="1.0" encoding="utf-8"?>
 <p:sld xmlns:a="http://schemas.openxmlformats.org/drawingml/2006/main" xmlns:r="http://schemas.openxmlformats.org/officeDocument/2006/relationships" xmlns:p="http://schemas.openxmlformats.org/presentationml/2006/main">
   <p:cSld>
     <p:bg>
@@ -31314,165 +30878,7 @@
 </p:sld>
 </file>
 
-<file path=ppt/slides/slide2.xml><?xml version="1.0" encoding="utf-8"?>
-<p:sld xmlns:a="http://schemas.openxmlformats.org/drawingml/2006/main" xmlns:r="http://schemas.openxmlformats.org/officeDocument/2006/relationships" xmlns:p="http://schemas.openxmlformats.org/presentationml/2006/main">
-  <p:cSld>
-    <p:bg>
-      <p:bgPr>
-        <a:solidFill>
-          <a:schemeClr val="bg1"/>
-        </a:solidFill>
-        <a:effectLst/>
-      </p:bgPr>
-    </p:bg>
-    <p:spTree>
-      <p:nvGrpSpPr>
-        <p:cNvPr id="1" name=""/>
-        <p:cNvGrpSpPr/>
-        <p:nvPr/>
-      </p:nvGrpSpPr>
-      <p:grpSpPr>
-        <a:xfrm>
-          <a:off x="0" y="0"/>
-          <a:ext cx="0" cy="0"/>
-          <a:chOff x="0" y="0"/>
-          <a:chExt cx="0" cy="0"/>
-        </a:xfrm>
-      </p:grpSpPr>
-      <p:sp useBgFill="1">
-        <p:nvSpPr>
-          <p:cNvPr id="26" name="Rectangle 16">
-            <a:extLst>
-              <a:ext uri="{FF2B5EF4-FFF2-40B4-BE49-F238E27FC236}">
-                <a16:creationId xmlns:a16="http://schemas.microsoft.com/office/drawing/2014/main" id="{E51BA4DF-2BD4-4EC2-B1DB-B27C8AC71864}"/>
-              </a:ext>
-              <a:ext uri="{C183D7F6-B498-43B3-948B-1728B52AA6E4}">
-                <adec:decorative xmlns:adec="http://schemas.microsoft.com/office/drawing/2017/decorative" val="1"/>
-              </a:ext>
-            </a:extLst>
-          </p:cNvPr>
-          <p:cNvSpPr>
-            <a:spLocks noGrp="1" noRot="1" noChangeAspect="1" noMove="1" noResize="1" noEditPoints="1" noAdjustHandles="1" noChangeArrowheads="1" noChangeShapeType="1" noTextEdit="1"/>
-          </p:cNvSpPr>
-          <p:nvPr>
-            <p:extLst>
-              <p:ext uri="{386F3935-93C4-4BCD-93E2-E3B085C9AB24}">
-                <p16:designElem xmlns:p16="http://schemas.microsoft.com/office/powerpoint/2015/main" val="1"/>
-              </p:ext>
-            </p:extLst>
-          </p:nvPr>
-        </p:nvSpPr>
-        <p:spPr>
-          <a:xfrm>
-            <a:off x="0" y="0"/>
-            <a:ext cx="9141713" cy="6858000"/>
-          </a:xfrm>
-          <a:prstGeom prst="rect">
-            <a:avLst/>
-          </a:prstGeom>
-          <a:ln>
-            <a:noFill/>
-          </a:ln>
-        </p:spPr>
-        <p:style>
-          <a:lnRef idx="2">
-            <a:schemeClr val="accent1">
-              <a:shade val="50000"/>
-            </a:schemeClr>
-          </a:lnRef>
-          <a:fillRef idx="1">
-            <a:schemeClr val="accent1"/>
-          </a:fillRef>
-          <a:effectRef idx="0">
-            <a:schemeClr val="accent1"/>
-          </a:effectRef>
-          <a:fontRef idx="minor">
-            <a:schemeClr val="lt1"/>
-          </a:fontRef>
-        </p:style>
-        <p:txBody>
-          <a:bodyPr rtlCol="0" anchor="ctr"/>
-          <a:lstStyle/>
-          <a:p>
-            <a:pPr algn="ctr"/>
-            <a:endParaRPr lang="en-US"/>
-          </a:p>
-        </p:txBody>
-      </p:sp>
-      <p:pic>
-        <p:nvPicPr>
-          <p:cNvPr id="13" name="Picture 12">
-            <a:extLst>
-              <a:ext uri="{FF2B5EF4-FFF2-40B4-BE49-F238E27FC236}">
-                <a16:creationId xmlns:a16="http://schemas.microsoft.com/office/drawing/2014/main" id="{07E017D2-F13F-49D6-06F0-6BC832265B59}"/>
-              </a:ext>
-            </a:extLst>
-          </p:cNvPr>
-          <p:cNvPicPr>
-            <a:picLocks noChangeAspect="1"/>
-          </p:cNvPicPr>
-          <p:nvPr/>
-        </p:nvPicPr>
-        <p:blipFill>
-          <a:blip r:embed="rId2"/>
-          <a:srcRect l="45056" r="29129"/>
-          <a:stretch>
-            <a:fillRect/>
-          </a:stretch>
-        </p:blipFill>
-        <p:spPr>
-          <a:xfrm>
-            <a:off x="20" y="10"/>
-            <a:ext cx="3147352" cy="6857990"/>
-          </a:xfrm>
-          <a:prstGeom prst="rect">
-            <a:avLst/>
-          </a:prstGeom>
-          <a:effectLst/>
-        </p:spPr>
-      </p:pic>
-      <p:graphicFrame>
-        <p:nvGraphicFramePr>
-          <p:cNvPr id="5" name="CasellaDiTesto 2">
-            <a:extLst>
-              <a:ext uri="{FF2B5EF4-FFF2-40B4-BE49-F238E27FC236}">
-                <a16:creationId xmlns:a16="http://schemas.microsoft.com/office/drawing/2014/main" id="{3CCD8DAA-6CB6-D8AF-6C99-C88E9C8296E8}"/>
-              </a:ext>
-            </a:extLst>
-          </p:cNvPr>
-          <p:cNvGraphicFramePr/>
-          <p:nvPr>
-            <p:extLst>
-              <p:ext uri="{D42A27DB-BD31-4B8C-83A1-F6EECF244321}">
-                <p14:modId xmlns:p14="http://schemas.microsoft.com/office/powerpoint/2010/main" val="1104369660"/>
-              </p:ext>
-            </p:extLst>
-          </p:nvPr>
-        </p:nvGraphicFramePr>
-        <p:xfrm>
-          <a:off x="3415300" y="2409830"/>
-          <a:ext cx="5098904" cy="3705217"/>
-        </p:xfrm>
-        <a:graphic>
-          <a:graphicData uri="http://schemas.openxmlformats.org/drawingml/2006/diagram">
-            <dgm:relIds xmlns:dgm="http://schemas.openxmlformats.org/drawingml/2006/diagram" xmlns:r="http://schemas.openxmlformats.org/officeDocument/2006/relationships" r:dm="rId3" r:lo="rId4" r:qs="rId5" r:cs="rId6"/>
-          </a:graphicData>
-        </a:graphic>
-      </p:graphicFrame>
-    </p:spTree>
-    <p:extLst>
-      <p:ext uri="{BB962C8B-B14F-4D97-AF65-F5344CB8AC3E}">
-        <p14:creationId xmlns:p14="http://schemas.microsoft.com/office/powerpoint/2010/main" val="2475506186"/>
-      </p:ext>
-    </p:extLst>
-  </p:cSld>
-  <p:clrMapOvr>
-    <a:masterClrMapping/>
-  </p:clrMapOvr>
-</p:sld>
-</file>
-
-<file path=ppt/slides/slide20.xml><?xml version="1.0" encoding="utf-8"?>
+<file path=ppt/slides/slide19.xml><?xml version="1.0" encoding="utf-8"?>
 <p:sld xmlns:a="http://schemas.openxmlformats.org/drawingml/2006/main" xmlns:r="http://schemas.openxmlformats.org/officeDocument/2006/relationships" xmlns:p="http://schemas.openxmlformats.org/presentationml/2006/main">
   <p:cSld>
     <p:bg>
@@ -32151,6 +31557,164 @@
     <p:extLst>
       <p:ext uri="{BB962C8B-B14F-4D97-AF65-F5344CB8AC3E}">
         <p14:creationId xmlns:p14="http://schemas.microsoft.com/office/powerpoint/2010/main" val="3621252134"/>
+      </p:ext>
+    </p:extLst>
+  </p:cSld>
+  <p:clrMapOvr>
+    <a:masterClrMapping/>
+  </p:clrMapOvr>
+</p:sld>
+</file>
+
+<file path=ppt/slides/slide2.xml><?xml version="1.0" encoding="utf-8"?>
+<p:sld xmlns:a="http://schemas.openxmlformats.org/drawingml/2006/main" xmlns:r="http://schemas.openxmlformats.org/officeDocument/2006/relationships" xmlns:p="http://schemas.openxmlformats.org/presentationml/2006/main">
+  <p:cSld>
+    <p:bg>
+      <p:bgPr>
+        <a:solidFill>
+          <a:schemeClr val="bg1"/>
+        </a:solidFill>
+        <a:effectLst/>
+      </p:bgPr>
+    </p:bg>
+    <p:spTree>
+      <p:nvGrpSpPr>
+        <p:cNvPr id="1" name=""/>
+        <p:cNvGrpSpPr/>
+        <p:nvPr/>
+      </p:nvGrpSpPr>
+      <p:grpSpPr>
+        <a:xfrm>
+          <a:off x="0" y="0"/>
+          <a:ext cx="0" cy="0"/>
+          <a:chOff x="0" y="0"/>
+          <a:chExt cx="0" cy="0"/>
+        </a:xfrm>
+      </p:grpSpPr>
+      <p:sp useBgFill="1">
+        <p:nvSpPr>
+          <p:cNvPr id="26" name="Rectangle 16">
+            <a:extLst>
+              <a:ext uri="{FF2B5EF4-FFF2-40B4-BE49-F238E27FC236}">
+                <a16:creationId xmlns:a16="http://schemas.microsoft.com/office/drawing/2014/main" id="{E51BA4DF-2BD4-4EC2-B1DB-B27C8AC71864}"/>
+              </a:ext>
+              <a:ext uri="{C183D7F6-B498-43B3-948B-1728B52AA6E4}">
+                <adec:decorative xmlns:adec="http://schemas.microsoft.com/office/drawing/2017/decorative" val="1"/>
+              </a:ext>
+            </a:extLst>
+          </p:cNvPr>
+          <p:cNvSpPr>
+            <a:spLocks noGrp="1" noRot="1" noChangeAspect="1" noMove="1" noResize="1" noEditPoints="1" noAdjustHandles="1" noChangeArrowheads="1" noChangeShapeType="1" noTextEdit="1"/>
+          </p:cNvSpPr>
+          <p:nvPr>
+            <p:extLst>
+              <p:ext uri="{386F3935-93C4-4BCD-93E2-E3B085C9AB24}">
+                <p16:designElem xmlns:p16="http://schemas.microsoft.com/office/powerpoint/2015/main" val="1"/>
+              </p:ext>
+            </p:extLst>
+          </p:nvPr>
+        </p:nvSpPr>
+        <p:spPr>
+          <a:xfrm>
+            <a:off x="0" y="0"/>
+            <a:ext cx="9141713" cy="6858000"/>
+          </a:xfrm>
+          <a:prstGeom prst="rect">
+            <a:avLst/>
+          </a:prstGeom>
+          <a:ln>
+            <a:noFill/>
+          </a:ln>
+        </p:spPr>
+        <p:style>
+          <a:lnRef idx="2">
+            <a:schemeClr val="accent1">
+              <a:shade val="50000"/>
+            </a:schemeClr>
+          </a:lnRef>
+          <a:fillRef idx="1">
+            <a:schemeClr val="accent1"/>
+          </a:fillRef>
+          <a:effectRef idx="0">
+            <a:schemeClr val="accent1"/>
+          </a:effectRef>
+          <a:fontRef idx="minor">
+            <a:schemeClr val="lt1"/>
+          </a:fontRef>
+        </p:style>
+        <p:txBody>
+          <a:bodyPr rtlCol="0" anchor="ctr"/>
+          <a:lstStyle/>
+          <a:p>
+            <a:pPr algn="ctr"/>
+            <a:endParaRPr lang="en-US"/>
+          </a:p>
+        </p:txBody>
+      </p:sp>
+      <p:pic>
+        <p:nvPicPr>
+          <p:cNvPr id="13" name="Picture 12">
+            <a:extLst>
+              <a:ext uri="{FF2B5EF4-FFF2-40B4-BE49-F238E27FC236}">
+                <a16:creationId xmlns:a16="http://schemas.microsoft.com/office/drawing/2014/main" id="{07E017D2-F13F-49D6-06F0-6BC832265B59}"/>
+              </a:ext>
+            </a:extLst>
+          </p:cNvPr>
+          <p:cNvPicPr>
+            <a:picLocks noChangeAspect="1"/>
+          </p:cNvPicPr>
+          <p:nvPr/>
+        </p:nvPicPr>
+        <p:blipFill>
+          <a:blip r:embed="rId2"/>
+          <a:srcRect l="45056" r="29129"/>
+          <a:stretch>
+            <a:fillRect/>
+          </a:stretch>
+        </p:blipFill>
+        <p:spPr>
+          <a:xfrm>
+            <a:off x="20" y="10"/>
+            <a:ext cx="3147352" cy="6857990"/>
+          </a:xfrm>
+          <a:prstGeom prst="rect">
+            <a:avLst/>
+          </a:prstGeom>
+          <a:effectLst/>
+        </p:spPr>
+      </p:pic>
+      <p:graphicFrame>
+        <p:nvGraphicFramePr>
+          <p:cNvPr id="5" name="CasellaDiTesto 2">
+            <a:extLst>
+              <a:ext uri="{FF2B5EF4-FFF2-40B4-BE49-F238E27FC236}">
+                <a16:creationId xmlns:a16="http://schemas.microsoft.com/office/drawing/2014/main" id="{3CCD8DAA-6CB6-D8AF-6C99-C88E9C8296E8}"/>
+              </a:ext>
+            </a:extLst>
+          </p:cNvPr>
+          <p:cNvGraphicFramePr/>
+          <p:nvPr>
+            <p:extLst>
+              <p:ext uri="{D42A27DB-BD31-4B8C-83A1-F6EECF244321}">
+                <p14:modId xmlns:p14="http://schemas.microsoft.com/office/powerpoint/2010/main" val="1104369660"/>
+              </p:ext>
+            </p:extLst>
+          </p:nvPr>
+        </p:nvGraphicFramePr>
+        <p:xfrm>
+          <a:off x="3415300" y="2409830"/>
+          <a:ext cx="5098904" cy="3705217"/>
+        </p:xfrm>
+        <a:graphic>
+          <a:graphicData uri="http://schemas.openxmlformats.org/drawingml/2006/diagram">
+            <dgm:relIds xmlns:dgm="http://schemas.openxmlformats.org/drawingml/2006/diagram" xmlns:r="http://schemas.openxmlformats.org/officeDocument/2006/relationships" r:dm="rId3" r:lo="rId4" r:qs="rId5" r:cs="rId6"/>
+          </a:graphicData>
+        </a:graphic>
+      </p:graphicFrame>
+    </p:spTree>
+    <p:extLst>
+      <p:ext uri="{BB962C8B-B14F-4D97-AF65-F5344CB8AC3E}">
+        <p14:creationId xmlns:p14="http://schemas.microsoft.com/office/powerpoint/2010/main" val="2475506186"/>
       </p:ext>
     </p:extLst>
   </p:cSld>
